--- a/content/programmeren/php-basis-function/php-basis-function.pptx
+++ b/content/programmeren/php-basis-function/php-basis-function.pptx
@@ -3564,8 +3564,8 @@
         </p:blipFill>
         <p:spPr>
           <a:xfrm>
-            <a:off x="-514988" y="986967"/>
-            <a:ext cx="4884066" cy="4884066"/>
+            <a:off x="-514989" y="972272"/>
+            <a:ext cx="5078533" cy="5078533"/>
           </a:xfrm>
           <a:prstGeom prst="rect">
             <a:avLst/>
@@ -3586,7 +3586,7 @@
         </p:nvSpPr>
         <p:spPr>
           <a:xfrm>
-            <a:off x="4299512" y="1443841"/>
+            <a:off x="4299512" y="1340170"/>
             <a:ext cx="5486884" cy="4185761"/>
           </a:xfrm>
           <a:prstGeom prst="rect">
@@ -3594,7 +3594,7 @@
           </a:prstGeom>
         </p:spPr>
         <p:txBody>
-          <a:bodyPr wrap="square">
+          <a:bodyPr wrap="square" anchor="ctr">
             <a:spAutoFit/>
           </a:bodyPr>
           <a:lstStyle/>
